--- a/ppt 16-9/0956.神恩惠的福音.pptx
+++ b/ppt 16-9/0956.神恩惠的福音.pptx
@@ -129,7 +129,7 @@
           <p:cNvPr id="2" name="标题 1">
             <a:extLst>
               <a:ext uri="{FF2B5EF4-FFF2-40B4-BE49-F238E27FC236}">
-                <a16:creationId xmlns:a16="http://schemas.microsoft.com/office/drawing/2014/main" id="{983D84C4-0197-AFFF-F297-CCB8D1221202}"/>
+                <a16:creationId xmlns:a16="http://schemas.microsoft.com/office/drawing/2014/main" id="{EC96F512-448B-C810-3D3D-7F0BAC519931}"/>
               </a:ext>
             </a:extLst>
           </p:cNvPr>
@@ -166,7 +166,7 @@
           <p:cNvPr id="3" name="副标题 2">
             <a:extLst>
               <a:ext uri="{FF2B5EF4-FFF2-40B4-BE49-F238E27FC236}">
-                <a16:creationId xmlns:a16="http://schemas.microsoft.com/office/drawing/2014/main" id="{8AC10C90-6979-22F8-506B-B2E3EF51E6F4}"/>
+                <a16:creationId xmlns:a16="http://schemas.microsoft.com/office/drawing/2014/main" id="{B888205E-904B-B007-0B42-A656B2BAE138}"/>
               </a:ext>
             </a:extLst>
           </p:cNvPr>
@@ -236,7 +236,7 @@
           <p:cNvPr id="4" name="日期占位符 3">
             <a:extLst>
               <a:ext uri="{FF2B5EF4-FFF2-40B4-BE49-F238E27FC236}">
-                <a16:creationId xmlns:a16="http://schemas.microsoft.com/office/drawing/2014/main" id="{233F37D8-10C9-6220-4568-17ED3C19DC56}"/>
+                <a16:creationId xmlns:a16="http://schemas.microsoft.com/office/drawing/2014/main" id="{43B2568F-30C3-660A-686B-2BC1C7B511DA}"/>
               </a:ext>
             </a:extLst>
           </p:cNvPr>
@@ -252,7 +252,7 @@
           <a:bodyPr/>
           <a:lstStyle/>
           <a:p>
-            <a:fld id="{FA58F178-3FA5-4B3C-A5EE-5AD1D61A6356}" type="datetimeFigureOut">
+            <a:fld id="{7E084EB9-8CA6-4D2E-81EE-D35D40FF773E}" type="datetimeFigureOut">
               <a:rPr lang="zh-CN" altLang="en-US" smtClean="0"/>
               <a:t>2024/3/10</a:t>
             </a:fld>
@@ -265,7 +265,7 @@
           <p:cNvPr id="5" name="页脚占位符 4">
             <a:extLst>
               <a:ext uri="{FF2B5EF4-FFF2-40B4-BE49-F238E27FC236}">
-                <a16:creationId xmlns:a16="http://schemas.microsoft.com/office/drawing/2014/main" id="{01438869-046E-E38D-E868-B58CF157D641}"/>
+                <a16:creationId xmlns:a16="http://schemas.microsoft.com/office/drawing/2014/main" id="{9D4A9477-E171-7727-522C-E99694ADC4CC}"/>
               </a:ext>
             </a:extLst>
           </p:cNvPr>
@@ -290,7 +290,7 @@
           <p:cNvPr id="6" name="灯片编号占位符 5">
             <a:extLst>
               <a:ext uri="{FF2B5EF4-FFF2-40B4-BE49-F238E27FC236}">
-                <a16:creationId xmlns:a16="http://schemas.microsoft.com/office/drawing/2014/main" id="{F4F359D7-01A1-21B7-81BF-31BDA03356D0}"/>
+                <a16:creationId xmlns:a16="http://schemas.microsoft.com/office/drawing/2014/main" id="{10FF1F47-2381-D9C7-94A8-EEAB01E5E126}"/>
               </a:ext>
             </a:extLst>
           </p:cNvPr>
@@ -306,7 +306,7 @@
           <a:bodyPr/>
           <a:lstStyle/>
           <a:p>
-            <a:fld id="{9BC67186-CAF3-45B4-941B-6494647D02C9}" type="slidenum">
+            <a:fld id="{E9279CF1-C959-4BDE-9B00-DB8D0F0944FB}" type="slidenum">
               <a:rPr lang="zh-CN" altLang="en-US" smtClean="0"/>
               <a:t>‹#›</a:t>
             </a:fld>
@@ -317,7 +317,7 @@
     </p:spTree>
     <p:extLst>
       <p:ext uri="{BB962C8B-B14F-4D97-AF65-F5344CB8AC3E}">
-        <p14:creationId xmlns:p14="http://schemas.microsoft.com/office/powerpoint/2010/main" val="1193969662"/>
+        <p14:creationId xmlns:p14="http://schemas.microsoft.com/office/powerpoint/2010/main" val="1018117891"/>
       </p:ext>
     </p:extLst>
   </p:cSld>
@@ -349,7 +349,7 @@
           <p:cNvPr id="2" name="标题 1">
             <a:extLst>
               <a:ext uri="{FF2B5EF4-FFF2-40B4-BE49-F238E27FC236}">
-                <a16:creationId xmlns:a16="http://schemas.microsoft.com/office/drawing/2014/main" id="{9344B817-F7FB-3F23-1A1C-03B2ECA1D86A}"/>
+                <a16:creationId xmlns:a16="http://schemas.microsoft.com/office/drawing/2014/main" id="{0F726D8D-015B-90AB-39E9-768429A3E628}"/>
               </a:ext>
             </a:extLst>
           </p:cNvPr>
@@ -377,7 +377,7 @@
           <p:cNvPr id="3" name="竖排文字占位符 2">
             <a:extLst>
               <a:ext uri="{FF2B5EF4-FFF2-40B4-BE49-F238E27FC236}">
-                <a16:creationId xmlns:a16="http://schemas.microsoft.com/office/drawing/2014/main" id="{C1D8EAC6-8196-8F7E-8C65-235A62FD3DAE}"/>
+                <a16:creationId xmlns:a16="http://schemas.microsoft.com/office/drawing/2014/main" id="{60D744E8-9C2B-8FEC-A0DC-7A7367DDAE71}"/>
               </a:ext>
             </a:extLst>
           </p:cNvPr>
@@ -434,7 +434,7 @@
           <p:cNvPr id="4" name="日期占位符 3">
             <a:extLst>
               <a:ext uri="{FF2B5EF4-FFF2-40B4-BE49-F238E27FC236}">
-                <a16:creationId xmlns:a16="http://schemas.microsoft.com/office/drawing/2014/main" id="{6C7EAC02-2E9C-CD0D-40D7-F9D1A6053432}"/>
+                <a16:creationId xmlns:a16="http://schemas.microsoft.com/office/drawing/2014/main" id="{0B46D0B5-D814-8998-8AF5-8BF4075812E9}"/>
               </a:ext>
             </a:extLst>
           </p:cNvPr>
@@ -450,7 +450,7 @@
           <a:bodyPr/>
           <a:lstStyle/>
           <a:p>
-            <a:fld id="{FA58F178-3FA5-4B3C-A5EE-5AD1D61A6356}" type="datetimeFigureOut">
+            <a:fld id="{7E084EB9-8CA6-4D2E-81EE-D35D40FF773E}" type="datetimeFigureOut">
               <a:rPr lang="zh-CN" altLang="en-US" smtClean="0"/>
               <a:t>2024/3/10</a:t>
             </a:fld>
@@ -463,7 +463,7 @@
           <p:cNvPr id="5" name="页脚占位符 4">
             <a:extLst>
               <a:ext uri="{FF2B5EF4-FFF2-40B4-BE49-F238E27FC236}">
-                <a16:creationId xmlns:a16="http://schemas.microsoft.com/office/drawing/2014/main" id="{4BACD36D-ADBF-A2F5-6E58-AC81822036AF}"/>
+                <a16:creationId xmlns:a16="http://schemas.microsoft.com/office/drawing/2014/main" id="{77C63EA0-D57A-1508-B128-EC008CCBC183}"/>
               </a:ext>
             </a:extLst>
           </p:cNvPr>
@@ -488,7 +488,7 @@
           <p:cNvPr id="6" name="灯片编号占位符 5">
             <a:extLst>
               <a:ext uri="{FF2B5EF4-FFF2-40B4-BE49-F238E27FC236}">
-                <a16:creationId xmlns:a16="http://schemas.microsoft.com/office/drawing/2014/main" id="{446B99FA-F8EA-6657-101A-C9ABDF1C7C8F}"/>
+                <a16:creationId xmlns:a16="http://schemas.microsoft.com/office/drawing/2014/main" id="{69C703A8-0989-4D40-B7AD-43940E5BE778}"/>
               </a:ext>
             </a:extLst>
           </p:cNvPr>
@@ -504,7 +504,7 @@
           <a:bodyPr/>
           <a:lstStyle/>
           <a:p>
-            <a:fld id="{9BC67186-CAF3-45B4-941B-6494647D02C9}" type="slidenum">
+            <a:fld id="{E9279CF1-C959-4BDE-9B00-DB8D0F0944FB}" type="slidenum">
               <a:rPr lang="zh-CN" altLang="en-US" smtClean="0"/>
               <a:t>‹#›</a:t>
             </a:fld>
@@ -515,7 +515,7 @@
     </p:spTree>
     <p:extLst>
       <p:ext uri="{BB962C8B-B14F-4D97-AF65-F5344CB8AC3E}">
-        <p14:creationId xmlns:p14="http://schemas.microsoft.com/office/powerpoint/2010/main" val="740195580"/>
+        <p14:creationId xmlns:p14="http://schemas.microsoft.com/office/powerpoint/2010/main" val="512371484"/>
       </p:ext>
     </p:extLst>
   </p:cSld>
@@ -547,7 +547,7 @@
           <p:cNvPr id="2" name="竖排标题 1">
             <a:extLst>
               <a:ext uri="{FF2B5EF4-FFF2-40B4-BE49-F238E27FC236}">
-                <a16:creationId xmlns:a16="http://schemas.microsoft.com/office/drawing/2014/main" id="{63DB0829-4ED9-C008-EE53-4E00D3D95918}"/>
+                <a16:creationId xmlns:a16="http://schemas.microsoft.com/office/drawing/2014/main" id="{AB88141D-3256-0701-29B6-74DA529377E4}"/>
               </a:ext>
             </a:extLst>
           </p:cNvPr>
@@ -580,7 +580,7 @@
           <p:cNvPr id="3" name="竖排文字占位符 2">
             <a:extLst>
               <a:ext uri="{FF2B5EF4-FFF2-40B4-BE49-F238E27FC236}">
-                <a16:creationId xmlns:a16="http://schemas.microsoft.com/office/drawing/2014/main" id="{09AEDED1-2969-6DEF-5FC5-D579D8F222CA}"/>
+                <a16:creationId xmlns:a16="http://schemas.microsoft.com/office/drawing/2014/main" id="{5BF57ED6-89C3-EBC5-70DF-A00005C09B05}"/>
               </a:ext>
             </a:extLst>
           </p:cNvPr>
@@ -642,7 +642,7 @@
           <p:cNvPr id="4" name="日期占位符 3">
             <a:extLst>
               <a:ext uri="{FF2B5EF4-FFF2-40B4-BE49-F238E27FC236}">
-                <a16:creationId xmlns:a16="http://schemas.microsoft.com/office/drawing/2014/main" id="{7A76792A-FAF0-0605-D112-BDA40E5582A4}"/>
+                <a16:creationId xmlns:a16="http://schemas.microsoft.com/office/drawing/2014/main" id="{17C2BE2A-80DA-4EEA-EE3A-16CF0EC8DF31}"/>
               </a:ext>
             </a:extLst>
           </p:cNvPr>
@@ -658,7 +658,7 @@
           <a:bodyPr/>
           <a:lstStyle/>
           <a:p>
-            <a:fld id="{FA58F178-3FA5-4B3C-A5EE-5AD1D61A6356}" type="datetimeFigureOut">
+            <a:fld id="{7E084EB9-8CA6-4D2E-81EE-D35D40FF773E}" type="datetimeFigureOut">
               <a:rPr lang="zh-CN" altLang="en-US" smtClean="0"/>
               <a:t>2024/3/10</a:t>
             </a:fld>
@@ -671,7 +671,7 @@
           <p:cNvPr id="5" name="页脚占位符 4">
             <a:extLst>
               <a:ext uri="{FF2B5EF4-FFF2-40B4-BE49-F238E27FC236}">
-                <a16:creationId xmlns:a16="http://schemas.microsoft.com/office/drawing/2014/main" id="{76250E18-43C2-FA7E-31B3-C2A9A2386805}"/>
+                <a16:creationId xmlns:a16="http://schemas.microsoft.com/office/drawing/2014/main" id="{18E411E9-3827-6EC8-D5A7-426E3151BCAF}"/>
               </a:ext>
             </a:extLst>
           </p:cNvPr>
@@ -696,7 +696,7 @@
           <p:cNvPr id="6" name="灯片编号占位符 5">
             <a:extLst>
               <a:ext uri="{FF2B5EF4-FFF2-40B4-BE49-F238E27FC236}">
-                <a16:creationId xmlns:a16="http://schemas.microsoft.com/office/drawing/2014/main" id="{F3191878-CB45-33C9-1F1B-3EB6335DAFFB}"/>
+                <a16:creationId xmlns:a16="http://schemas.microsoft.com/office/drawing/2014/main" id="{BC644704-1F4C-40B6-F96A-292553A83552}"/>
               </a:ext>
             </a:extLst>
           </p:cNvPr>
@@ -712,7 +712,7 @@
           <a:bodyPr/>
           <a:lstStyle/>
           <a:p>
-            <a:fld id="{9BC67186-CAF3-45B4-941B-6494647D02C9}" type="slidenum">
+            <a:fld id="{E9279CF1-C959-4BDE-9B00-DB8D0F0944FB}" type="slidenum">
               <a:rPr lang="zh-CN" altLang="en-US" smtClean="0"/>
               <a:t>‹#›</a:t>
             </a:fld>
@@ -723,7 +723,7 @@
     </p:spTree>
     <p:extLst>
       <p:ext uri="{BB962C8B-B14F-4D97-AF65-F5344CB8AC3E}">
-        <p14:creationId xmlns:p14="http://schemas.microsoft.com/office/powerpoint/2010/main" val="2437275998"/>
+        <p14:creationId xmlns:p14="http://schemas.microsoft.com/office/powerpoint/2010/main" val="1176402915"/>
       </p:ext>
     </p:extLst>
   </p:cSld>
@@ -755,7 +755,7 @@
           <p:cNvPr id="2" name="标题 1">
             <a:extLst>
               <a:ext uri="{FF2B5EF4-FFF2-40B4-BE49-F238E27FC236}">
-                <a16:creationId xmlns:a16="http://schemas.microsoft.com/office/drawing/2014/main" id="{E3770A42-D7EB-10A8-6200-A6B42146D882}"/>
+                <a16:creationId xmlns:a16="http://schemas.microsoft.com/office/drawing/2014/main" id="{1768E130-BC50-0D1E-0ECA-60D41FAD1B2E}"/>
               </a:ext>
             </a:extLst>
           </p:cNvPr>
@@ -783,7 +783,7 @@
           <p:cNvPr id="3" name="内容占位符 2">
             <a:extLst>
               <a:ext uri="{FF2B5EF4-FFF2-40B4-BE49-F238E27FC236}">
-                <a16:creationId xmlns:a16="http://schemas.microsoft.com/office/drawing/2014/main" id="{5353DED4-C11E-AAB8-0BDA-34EF66094FCB}"/>
+                <a16:creationId xmlns:a16="http://schemas.microsoft.com/office/drawing/2014/main" id="{2968C45C-1385-99ED-C454-BA4CFE60C0EA}"/>
               </a:ext>
             </a:extLst>
           </p:cNvPr>
@@ -840,7 +840,7 @@
           <p:cNvPr id="4" name="日期占位符 3">
             <a:extLst>
               <a:ext uri="{FF2B5EF4-FFF2-40B4-BE49-F238E27FC236}">
-                <a16:creationId xmlns:a16="http://schemas.microsoft.com/office/drawing/2014/main" id="{754C5F8E-A203-1AF6-CC7E-1C51A137AC26}"/>
+                <a16:creationId xmlns:a16="http://schemas.microsoft.com/office/drawing/2014/main" id="{E34B785A-B72B-6086-A208-F6762FAD45B1}"/>
               </a:ext>
             </a:extLst>
           </p:cNvPr>
@@ -856,7 +856,7 @@
           <a:bodyPr/>
           <a:lstStyle/>
           <a:p>
-            <a:fld id="{FA58F178-3FA5-4B3C-A5EE-5AD1D61A6356}" type="datetimeFigureOut">
+            <a:fld id="{7E084EB9-8CA6-4D2E-81EE-D35D40FF773E}" type="datetimeFigureOut">
               <a:rPr lang="zh-CN" altLang="en-US" smtClean="0"/>
               <a:t>2024/3/10</a:t>
             </a:fld>
@@ -869,7 +869,7 @@
           <p:cNvPr id="5" name="页脚占位符 4">
             <a:extLst>
               <a:ext uri="{FF2B5EF4-FFF2-40B4-BE49-F238E27FC236}">
-                <a16:creationId xmlns:a16="http://schemas.microsoft.com/office/drawing/2014/main" id="{2AADBAF3-9639-244E-B13D-896489685405}"/>
+                <a16:creationId xmlns:a16="http://schemas.microsoft.com/office/drawing/2014/main" id="{C952105A-005F-702E-4A0A-74B323FB5043}"/>
               </a:ext>
             </a:extLst>
           </p:cNvPr>
@@ -894,7 +894,7 @@
           <p:cNvPr id="6" name="灯片编号占位符 5">
             <a:extLst>
               <a:ext uri="{FF2B5EF4-FFF2-40B4-BE49-F238E27FC236}">
-                <a16:creationId xmlns:a16="http://schemas.microsoft.com/office/drawing/2014/main" id="{3401EE9E-9E12-E49F-9246-0343B398BD0F}"/>
+                <a16:creationId xmlns:a16="http://schemas.microsoft.com/office/drawing/2014/main" id="{7A142B7F-4ACA-04CF-88EA-2EA226F5CCFE}"/>
               </a:ext>
             </a:extLst>
           </p:cNvPr>
@@ -910,7 +910,7 @@
           <a:bodyPr/>
           <a:lstStyle/>
           <a:p>
-            <a:fld id="{9BC67186-CAF3-45B4-941B-6494647D02C9}" type="slidenum">
+            <a:fld id="{E9279CF1-C959-4BDE-9B00-DB8D0F0944FB}" type="slidenum">
               <a:rPr lang="zh-CN" altLang="en-US" smtClean="0"/>
               <a:t>‹#›</a:t>
             </a:fld>
@@ -921,7 +921,7 @@
     </p:spTree>
     <p:extLst>
       <p:ext uri="{BB962C8B-B14F-4D97-AF65-F5344CB8AC3E}">
-        <p14:creationId xmlns:p14="http://schemas.microsoft.com/office/powerpoint/2010/main" val="830299062"/>
+        <p14:creationId xmlns:p14="http://schemas.microsoft.com/office/powerpoint/2010/main" val="1725313642"/>
       </p:ext>
     </p:extLst>
   </p:cSld>
@@ -953,7 +953,7 @@
           <p:cNvPr id="2" name="标题 1">
             <a:extLst>
               <a:ext uri="{FF2B5EF4-FFF2-40B4-BE49-F238E27FC236}">
-                <a16:creationId xmlns:a16="http://schemas.microsoft.com/office/drawing/2014/main" id="{3F3C864A-556C-B2D4-63FD-E2BE88BE8F78}"/>
+                <a16:creationId xmlns:a16="http://schemas.microsoft.com/office/drawing/2014/main" id="{C910E30D-9CDC-EA01-3D6C-6FB14AD140B5}"/>
               </a:ext>
             </a:extLst>
           </p:cNvPr>
@@ -990,7 +990,7 @@
           <p:cNvPr id="3" name="文本占位符 2">
             <a:extLst>
               <a:ext uri="{FF2B5EF4-FFF2-40B4-BE49-F238E27FC236}">
-                <a16:creationId xmlns:a16="http://schemas.microsoft.com/office/drawing/2014/main" id="{72DB6058-601E-7BE2-7535-117D050307C8}"/>
+                <a16:creationId xmlns:a16="http://schemas.microsoft.com/office/drawing/2014/main" id="{19A244D6-4F96-E759-DDC4-2F69C71A43F7}"/>
               </a:ext>
             </a:extLst>
           </p:cNvPr>
@@ -1115,7 +1115,7 @@
           <p:cNvPr id="4" name="日期占位符 3">
             <a:extLst>
               <a:ext uri="{FF2B5EF4-FFF2-40B4-BE49-F238E27FC236}">
-                <a16:creationId xmlns:a16="http://schemas.microsoft.com/office/drawing/2014/main" id="{E84B9B40-3D9A-436C-276E-B13AF95F2930}"/>
+                <a16:creationId xmlns:a16="http://schemas.microsoft.com/office/drawing/2014/main" id="{C227F560-FB7D-696E-B991-1FF69D0CB397}"/>
               </a:ext>
             </a:extLst>
           </p:cNvPr>
@@ -1131,7 +1131,7 @@
           <a:bodyPr/>
           <a:lstStyle/>
           <a:p>
-            <a:fld id="{FA58F178-3FA5-4B3C-A5EE-5AD1D61A6356}" type="datetimeFigureOut">
+            <a:fld id="{7E084EB9-8CA6-4D2E-81EE-D35D40FF773E}" type="datetimeFigureOut">
               <a:rPr lang="zh-CN" altLang="en-US" smtClean="0"/>
               <a:t>2024/3/10</a:t>
             </a:fld>
@@ -1144,7 +1144,7 @@
           <p:cNvPr id="5" name="页脚占位符 4">
             <a:extLst>
               <a:ext uri="{FF2B5EF4-FFF2-40B4-BE49-F238E27FC236}">
-                <a16:creationId xmlns:a16="http://schemas.microsoft.com/office/drawing/2014/main" id="{5C7812A7-A45B-69BD-47D5-08C121CB835F}"/>
+                <a16:creationId xmlns:a16="http://schemas.microsoft.com/office/drawing/2014/main" id="{66E7724E-D357-4EE9-03E0-8C353ACCAE1A}"/>
               </a:ext>
             </a:extLst>
           </p:cNvPr>
@@ -1169,7 +1169,7 @@
           <p:cNvPr id="6" name="灯片编号占位符 5">
             <a:extLst>
               <a:ext uri="{FF2B5EF4-FFF2-40B4-BE49-F238E27FC236}">
-                <a16:creationId xmlns:a16="http://schemas.microsoft.com/office/drawing/2014/main" id="{154A4791-444B-E32C-90F5-617EF1376645}"/>
+                <a16:creationId xmlns:a16="http://schemas.microsoft.com/office/drawing/2014/main" id="{592FDD92-1E92-844B-CAB7-DD42F768F38B}"/>
               </a:ext>
             </a:extLst>
           </p:cNvPr>
@@ -1185,7 +1185,7 @@
           <a:bodyPr/>
           <a:lstStyle/>
           <a:p>
-            <a:fld id="{9BC67186-CAF3-45B4-941B-6494647D02C9}" type="slidenum">
+            <a:fld id="{E9279CF1-C959-4BDE-9B00-DB8D0F0944FB}" type="slidenum">
               <a:rPr lang="zh-CN" altLang="en-US" smtClean="0"/>
               <a:t>‹#›</a:t>
             </a:fld>
@@ -1196,7 +1196,7 @@
     </p:spTree>
     <p:extLst>
       <p:ext uri="{BB962C8B-B14F-4D97-AF65-F5344CB8AC3E}">
-        <p14:creationId xmlns:p14="http://schemas.microsoft.com/office/powerpoint/2010/main" val="38047513"/>
+        <p14:creationId xmlns:p14="http://schemas.microsoft.com/office/powerpoint/2010/main" val="2340634959"/>
       </p:ext>
     </p:extLst>
   </p:cSld>
@@ -1228,7 +1228,7 @@
           <p:cNvPr id="2" name="标题 1">
             <a:extLst>
               <a:ext uri="{FF2B5EF4-FFF2-40B4-BE49-F238E27FC236}">
-                <a16:creationId xmlns:a16="http://schemas.microsoft.com/office/drawing/2014/main" id="{A98635A3-3F21-41BE-8402-599EA1373102}"/>
+                <a16:creationId xmlns:a16="http://schemas.microsoft.com/office/drawing/2014/main" id="{C5C104B0-F220-27AA-27EE-96BED27C5FDD}"/>
               </a:ext>
             </a:extLst>
           </p:cNvPr>
@@ -1256,7 +1256,7 @@
           <p:cNvPr id="3" name="内容占位符 2">
             <a:extLst>
               <a:ext uri="{FF2B5EF4-FFF2-40B4-BE49-F238E27FC236}">
-                <a16:creationId xmlns:a16="http://schemas.microsoft.com/office/drawing/2014/main" id="{6C419F7F-491D-D007-8A03-67DB78E2358F}"/>
+                <a16:creationId xmlns:a16="http://schemas.microsoft.com/office/drawing/2014/main" id="{07F8CF3B-C2C5-8685-B098-DB1EFCB47341}"/>
               </a:ext>
             </a:extLst>
           </p:cNvPr>
@@ -1318,7 +1318,7 @@
           <p:cNvPr id="4" name="内容占位符 3">
             <a:extLst>
               <a:ext uri="{FF2B5EF4-FFF2-40B4-BE49-F238E27FC236}">
-                <a16:creationId xmlns:a16="http://schemas.microsoft.com/office/drawing/2014/main" id="{F3FE7077-EB94-B941-38C2-FBAD4D156A76}"/>
+                <a16:creationId xmlns:a16="http://schemas.microsoft.com/office/drawing/2014/main" id="{CF785BB0-C4DF-8AD5-E256-68BED043D4D5}"/>
               </a:ext>
             </a:extLst>
           </p:cNvPr>
@@ -1380,7 +1380,7 @@
           <p:cNvPr id="5" name="日期占位符 4">
             <a:extLst>
               <a:ext uri="{FF2B5EF4-FFF2-40B4-BE49-F238E27FC236}">
-                <a16:creationId xmlns:a16="http://schemas.microsoft.com/office/drawing/2014/main" id="{482D7A6A-EEA6-1B87-BB40-57C27F57EC88}"/>
+                <a16:creationId xmlns:a16="http://schemas.microsoft.com/office/drawing/2014/main" id="{2AB6E0AB-29BE-7F2C-A348-119A3CBD7573}"/>
               </a:ext>
             </a:extLst>
           </p:cNvPr>
@@ -1396,7 +1396,7 @@
           <a:bodyPr/>
           <a:lstStyle/>
           <a:p>
-            <a:fld id="{FA58F178-3FA5-4B3C-A5EE-5AD1D61A6356}" type="datetimeFigureOut">
+            <a:fld id="{7E084EB9-8CA6-4D2E-81EE-D35D40FF773E}" type="datetimeFigureOut">
               <a:rPr lang="zh-CN" altLang="en-US" smtClean="0"/>
               <a:t>2024/3/10</a:t>
             </a:fld>
@@ -1409,7 +1409,7 @@
           <p:cNvPr id="6" name="页脚占位符 5">
             <a:extLst>
               <a:ext uri="{FF2B5EF4-FFF2-40B4-BE49-F238E27FC236}">
-                <a16:creationId xmlns:a16="http://schemas.microsoft.com/office/drawing/2014/main" id="{31F651A3-CA50-094B-A921-92692311EE3C}"/>
+                <a16:creationId xmlns:a16="http://schemas.microsoft.com/office/drawing/2014/main" id="{C79FDD64-DD62-6E74-9509-C138B5A81FC3}"/>
               </a:ext>
             </a:extLst>
           </p:cNvPr>
@@ -1434,7 +1434,7 @@
           <p:cNvPr id="7" name="灯片编号占位符 6">
             <a:extLst>
               <a:ext uri="{FF2B5EF4-FFF2-40B4-BE49-F238E27FC236}">
-                <a16:creationId xmlns:a16="http://schemas.microsoft.com/office/drawing/2014/main" id="{29F2C11D-AC0C-C80A-FD8C-79C15F52D695}"/>
+                <a16:creationId xmlns:a16="http://schemas.microsoft.com/office/drawing/2014/main" id="{B60027FC-26F5-8E66-C485-5718EB0AC704}"/>
               </a:ext>
             </a:extLst>
           </p:cNvPr>
@@ -1450,7 +1450,7 @@
           <a:bodyPr/>
           <a:lstStyle/>
           <a:p>
-            <a:fld id="{9BC67186-CAF3-45B4-941B-6494647D02C9}" type="slidenum">
+            <a:fld id="{E9279CF1-C959-4BDE-9B00-DB8D0F0944FB}" type="slidenum">
               <a:rPr lang="zh-CN" altLang="en-US" smtClean="0"/>
               <a:t>‹#›</a:t>
             </a:fld>
@@ -1461,7 +1461,7 @@
     </p:spTree>
     <p:extLst>
       <p:ext uri="{BB962C8B-B14F-4D97-AF65-F5344CB8AC3E}">
-        <p14:creationId xmlns:p14="http://schemas.microsoft.com/office/powerpoint/2010/main" val="281444886"/>
+        <p14:creationId xmlns:p14="http://schemas.microsoft.com/office/powerpoint/2010/main" val="1669627722"/>
       </p:ext>
     </p:extLst>
   </p:cSld>
@@ -1493,7 +1493,7 @@
           <p:cNvPr id="2" name="标题 1">
             <a:extLst>
               <a:ext uri="{FF2B5EF4-FFF2-40B4-BE49-F238E27FC236}">
-                <a16:creationId xmlns:a16="http://schemas.microsoft.com/office/drawing/2014/main" id="{925AC547-2DFF-CA72-DB07-8DFDE79930FD}"/>
+                <a16:creationId xmlns:a16="http://schemas.microsoft.com/office/drawing/2014/main" id="{9DFC2EBC-D125-A341-19C0-68E6A517BFE0}"/>
               </a:ext>
             </a:extLst>
           </p:cNvPr>
@@ -1526,7 +1526,7 @@
           <p:cNvPr id="3" name="文本占位符 2">
             <a:extLst>
               <a:ext uri="{FF2B5EF4-FFF2-40B4-BE49-F238E27FC236}">
-                <a16:creationId xmlns:a16="http://schemas.microsoft.com/office/drawing/2014/main" id="{42CC69DA-4E29-083B-1B89-8F54BAA12AF5}"/>
+                <a16:creationId xmlns:a16="http://schemas.microsoft.com/office/drawing/2014/main" id="{6FCB3384-ED8F-2D40-3D65-6B516405CA70}"/>
               </a:ext>
             </a:extLst>
           </p:cNvPr>
@@ -1597,7 +1597,7 @@
           <p:cNvPr id="4" name="内容占位符 3">
             <a:extLst>
               <a:ext uri="{FF2B5EF4-FFF2-40B4-BE49-F238E27FC236}">
-                <a16:creationId xmlns:a16="http://schemas.microsoft.com/office/drawing/2014/main" id="{2850D984-AA94-4017-EBC5-36E71AF7B9CB}"/>
+                <a16:creationId xmlns:a16="http://schemas.microsoft.com/office/drawing/2014/main" id="{FB754DE6-C274-743B-5D04-10832B78AAA2}"/>
               </a:ext>
             </a:extLst>
           </p:cNvPr>
@@ -1659,7 +1659,7 @@
           <p:cNvPr id="5" name="文本占位符 4">
             <a:extLst>
               <a:ext uri="{FF2B5EF4-FFF2-40B4-BE49-F238E27FC236}">
-                <a16:creationId xmlns:a16="http://schemas.microsoft.com/office/drawing/2014/main" id="{4C7828B8-1AC1-8D86-DF3F-89E1747916E8}"/>
+                <a16:creationId xmlns:a16="http://schemas.microsoft.com/office/drawing/2014/main" id="{5D6E9610-254C-8CC0-DD5D-8B7CD4F1CBBE}"/>
               </a:ext>
             </a:extLst>
           </p:cNvPr>
@@ -1730,7 +1730,7 @@
           <p:cNvPr id="6" name="内容占位符 5">
             <a:extLst>
               <a:ext uri="{FF2B5EF4-FFF2-40B4-BE49-F238E27FC236}">
-                <a16:creationId xmlns:a16="http://schemas.microsoft.com/office/drawing/2014/main" id="{824AFB98-33C1-05D8-E707-0E10755B8988}"/>
+                <a16:creationId xmlns:a16="http://schemas.microsoft.com/office/drawing/2014/main" id="{2E40139F-43DE-A0E8-C5A9-25BFA0EAC21D}"/>
               </a:ext>
             </a:extLst>
           </p:cNvPr>
@@ -1792,7 +1792,7 @@
           <p:cNvPr id="7" name="日期占位符 6">
             <a:extLst>
               <a:ext uri="{FF2B5EF4-FFF2-40B4-BE49-F238E27FC236}">
-                <a16:creationId xmlns:a16="http://schemas.microsoft.com/office/drawing/2014/main" id="{D884DB6A-BE14-C9DE-E6CA-C715819BE7EF}"/>
+                <a16:creationId xmlns:a16="http://schemas.microsoft.com/office/drawing/2014/main" id="{4D02F3EC-2481-4E1C-B287-F26DCDBA162C}"/>
               </a:ext>
             </a:extLst>
           </p:cNvPr>
@@ -1808,7 +1808,7 @@
           <a:bodyPr/>
           <a:lstStyle/>
           <a:p>
-            <a:fld id="{FA58F178-3FA5-4B3C-A5EE-5AD1D61A6356}" type="datetimeFigureOut">
+            <a:fld id="{7E084EB9-8CA6-4D2E-81EE-D35D40FF773E}" type="datetimeFigureOut">
               <a:rPr lang="zh-CN" altLang="en-US" smtClean="0"/>
               <a:t>2024/3/10</a:t>
             </a:fld>
@@ -1821,7 +1821,7 @@
           <p:cNvPr id="8" name="页脚占位符 7">
             <a:extLst>
               <a:ext uri="{FF2B5EF4-FFF2-40B4-BE49-F238E27FC236}">
-                <a16:creationId xmlns:a16="http://schemas.microsoft.com/office/drawing/2014/main" id="{F7EC7A29-FE91-8DEF-1358-A14474AFFD4B}"/>
+                <a16:creationId xmlns:a16="http://schemas.microsoft.com/office/drawing/2014/main" id="{11F4EB41-7DFE-580E-462E-D3F99189FB3B}"/>
               </a:ext>
             </a:extLst>
           </p:cNvPr>
@@ -1846,7 +1846,7 @@
           <p:cNvPr id="9" name="灯片编号占位符 8">
             <a:extLst>
               <a:ext uri="{FF2B5EF4-FFF2-40B4-BE49-F238E27FC236}">
-                <a16:creationId xmlns:a16="http://schemas.microsoft.com/office/drawing/2014/main" id="{C32E6306-A52A-2A8B-4160-DBDE49F82688}"/>
+                <a16:creationId xmlns:a16="http://schemas.microsoft.com/office/drawing/2014/main" id="{AF7AE777-BEAD-76C1-E487-575339564BDD}"/>
               </a:ext>
             </a:extLst>
           </p:cNvPr>
@@ -1862,7 +1862,7 @@
           <a:bodyPr/>
           <a:lstStyle/>
           <a:p>
-            <a:fld id="{9BC67186-CAF3-45B4-941B-6494647D02C9}" type="slidenum">
+            <a:fld id="{E9279CF1-C959-4BDE-9B00-DB8D0F0944FB}" type="slidenum">
               <a:rPr lang="zh-CN" altLang="en-US" smtClean="0"/>
               <a:t>‹#›</a:t>
             </a:fld>
@@ -1873,7 +1873,7 @@
     </p:spTree>
     <p:extLst>
       <p:ext uri="{BB962C8B-B14F-4D97-AF65-F5344CB8AC3E}">
-        <p14:creationId xmlns:p14="http://schemas.microsoft.com/office/powerpoint/2010/main" val="629472686"/>
+        <p14:creationId xmlns:p14="http://schemas.microsoft.com/office/powerpoint/2010/main" val="3435966092"/>
       </p:ext>
     </p:extLst>
   </p:cSld>
@@ -1905,7 +1905,7 @@
           <p:cNvPr id="2" name="标题 1">
             <a:extLst>
               <a:ext uri="{FF2B5EF4-FFF2-40B4-BE49-F238E27FC236}">
-                <a16:creationId xmlns:a16="http://schemas.microsoft.com/office/drawing/2014/main" id="{2C36CE39-0771-A80C-98A9-B7E0CA949630}"/>
+                <a16:creationId xmlns:a16="http://schemas.microsoft.com/office/drawing/2014/main" id="{7463E99E-8564-7D29-C5F7-FC3700FC9ED4}"/>
               </a:ext>
             </a:extLst>
           </p:cNvPr>
@@ -1933,7 +1933,7 @@
           <p:cNvPr id="3" name="日期占位符 2">
             <a:extLst>
               <a:ext uri="{FF2B5EF4-FFF2-40B4-BE49-F238E27FC236}">
-                <a16:creationId xmlns:a16="http://schemas.microsoft.com/office/drawing/2014/main" id="{B28FE019-CBD3-6196-62E5-624C3DF517D4}"/>
+                <a16:creationId xmlns:a16="http://schemas.microsoft.com/office/drawing/2014/main" id="{86C6F5A4-4966-3D4B-1096-DC6CBA5F6109}"/>
               </a:ext>
             </a:extLst>
           </p:cNvPr>
@@ -1949,7 +1949,7 @@
           <a:bodyPr/>
           <a:lstStyle/>
           <a:p>
-            <a:fld id="{FA58F178-3FA5-4B3C-A5EE-5AD1D61A6356}" type="datetimeFigureOut">
+            <a:fld id="{7E084EB9-8CA6-4D2E-81EE-D35D40FF773E}" type="datetimeFigureOut">
               <a:rPr lang="zh-CN" altLang="en-US" smtClean="0"/>
               <a:t>2024/3/10</a:t>
             </a:fld>
@@ -1962,7 +1962,7 @@
           <p:cNvPr id="4" name="页脚占位符 3">
             <a:extLst>
               <a:ext uri="{FF2B5EF4-FFF2-40B4-BE49-F238E27FC236}">
-                <a16:creationId xmlns:a16="http://schemas.microsoft.com/office/drawing/2014/main" id="{0BDF9631-2DB5-B122-F2CC-4232F9179D72}"/>
+                <a16:creationId xmlns:a16="http://schemas.microsoft.com/office/drawing/2014/main" id="{EA5CFE2F-ED23-1BB0-A17D-4E4D7DBAC19A}"/>
               </a:ext>
             </a:extLst>
           </p:cNvPr>
@@ -1987,7 +1987,7 @@
           <p:cNvPr id="5" name="灯片编号占位符 4">
             <a:extLst>
               <a:ext uri="{FF2B5EF4-FFF2-40B4-BE49-F238E27FC236}">
-                <a16:creationId xmlns:a16="http://schemas.microsoft.com/office/drawing/2014/main" id="{E0D1096C-A019-9B2B-42AB-96AC0A434F22}"/>
+                <a16:creationId xmlns:a16="http://schemas.microsoft.com/office/drawing/2014/main" id="{86D7A531-5E78-9F42-C44B-F0D7AA5D5704}"/>
               </a:ext>
             </a:extLst>
           </p:cNvPr>
@@ -2003,7 +2003,7 @@
           <a:bodyPr/>
           <a:lstStyle/>
           <a:p>
-            <a:fld id="{9BC67186-CAF3-45B4-941B-6494647D02C9}" type="slidenum">
+            <a:fld id="{E9279CF1-C959-4BDE-9B00-DB8D0F0944FB}" type="slidenum">
               <a:rPr lang="zh-CN" altLang="en-US" smtClean="0"/>
               <a:t>‹#›</a:t>
             </a:fld>
@@ -2014,7 +2014,7 @@
     </p:spTree>
     <p:extLst>
       <p:ext uri="{BB962C8B-B14F-4D97-AF65-F5344CB8AC3E}">
-        <p14:creationId xmlns:p14="http://schemas.microsoft.com/office/powerpoint/2010/main" val="4142879676"/>
+        <p14:creationId xmlns:p14="http://schemas.microsoft.com/office/powerpoint/2010/main" val="1477237205"/>
       </p:ext>
     </p:extLst>
   </p:cSld>
@@ -2046,7 +2046,7 @@
           <p:cNvPr id="2" name="日期占位符 1">
             <a:extLst>
               <a:ext uri="{FF2B5EF4-FFF2-40B4-BE49-F238E27FC236}">
-                <a16:creationId xmlns:a16="http://schemas.microsoft.com/office/drawing/2014/main" id="{B8EAAEAB-AD01-F9CB-F94C-E5FAEC783013}"/>
+                <a16:creationId xmlns:a16="http://schemas.microsoft.com/office/drawing/2014/main" id="{904B1AFB-60D5-079E-EFBC-8D56EF5F11B2}"/>
               </a:ext>
             </a:extLst>
           </p:cNvPr>
@@ -2062,7 +2062,7 @@
           <a:bodyPr/>
           <a:lstStyle/>
           <a:p>
-            <a:fld id="{FA58F178-3FA5-4B3C-A5EE-5AD1D61A6356}" type="datetimeFigureOut">
+            <a:fld id="{7E084EB9-8CA6-4D2E-81EE-D35D40FF773E}" type="datetimeFigureOut">
               <a:rPr lang="zh-CN" altLang="en-US" smtClean="0"/>
               <a:t>2024/3/10</a:t>
             </a:fld>
@@ -2075,7 +2075,7 @@
           <p:cNvPr id="3" name="页脚占位符 2">
             <a:extLst>
               <a:ext uri="{FF2B5EF4-FFF2-40B4-BE49-F238E27FC236}">
-                <a16:creationId xmlns:a16="http://schemas.microsoft.com/office/drawing/2014/main" id="{903E0B9F-BE71-8E9B-207D-4F71289B9E1A}"/>
+                <a16:creationId xmlns:a16="http://schemas.microsoft.com/office/drawing/2014/main" id="{A97589B9-0AF3-40FD-4385-5BE4E9C518F1}"/>
               </a:ext>
             </a:extLst>
           </p:cNvPr>
@@ -2100,7 +2100,7 @@
           <p:cNvPr id="4" name="灯片编号占位符 3">
             <a:extLst>
               <a:ext uri="{FF2B5EF4-FFF2-40B4-BE49-F238E27FC236}">
-                <a16:creationId xmlns:a16="http://schemas.microsoft.com/office/drawing/2014/main" id="{EC93575C-1993-AF12-5B3D-08F0292EE5F0}"/>
+                <a16:creationId xmlns:a16="http://schemas.microsoft.com/office/drawing/2014/main" id="{67548E33-FE1A-C207-B667-015B0BA6E643}"/>
               </a:ext>
             </a:extLst>
           </p:cNvPr>
@@ -2116,7 +2116,7 @@
           <a:bodyPr/>
           <a:lstStyle/>
           <a:p>
-            <a:fld id="{9BC67186-CAF3-45B4-941B-6494647D02C9}" type="slidenum">
+            <a:fld id="{E9279CF1-C959-4BDE-9B00-DB8D0F0944FB}" type="slidenum">
               <a:rPr lang="zh-CN" altLang="en-US" smtClean="0"/>
               <a:t>‹#›</a:t>
             </a:fld>
@@ -2127,7 +2127,7 @@
     </p:spTree>
     <p:extLst>
       <p:ext uri="{BB962C8B-B14F-4D97-AF65-F5344CB8AC3E}">
-        <p14:creationId xmlns:p14="http://schemas.microsoft.com/office/powerpoint/2010/main" val="4195798625"/>
+        <p14:creationId xmlns:p14="http://schemas.microsoft.com/office/powerpoint/2010/main" val="910127112"/>
       </p:ext>
     </p:extLst>
   </p:cSld>
@@ -2159,7 +2159,7 @@
           <p:cNvPr id="2" name="标题 1">
             <a:extLst>
               <a:ext uri="{FF2B5EF4-FFF2-40B4-BE49-F238E27FC236}">
-                <a16:creationId xmlns:a16="http://schemas.microsoft.com/office/drawing/2014/main" id="{CB200230-E456-C9BD-8F26-A4CDEC6ABA32}"/>
+                <a16:creationId xmlns:a16="http://schemas.microsoft.com/office/drawing/2014/main" id="{981E96AD-C8EF-E3AB-93A5-3833AC9FF745}"/>
               </a:ext>
             </a:extLst>
           </p:cNvPr>
@@ -2196,7 +2196,7 @@
           <p:cNvPr id="3" name="内容占位符 2">
             <a:extLst>
               <a:ext uri="{FF2B5EF4-FFF2-40B4-BE49-F238E27FC236}">
-                <a16:creationId xmlns:a16="http://schemas.microsoft.com/office/drawing/2014/main" id="{0892F982-EC60-E0BD-E18D-3F38942EF68D}"/>
+                <a16:creationId xmlns:a16="http://schemas.microsoft.com/office/drawing/2014/main" id="{562889FA-480A-6D41-1EE1-DD700A4F8997}"/>
               </a:ext>
             </a:extLst>
           </p:cNvPr>
@@ -2286,7 +2286,7 @@
           <p:cNvPr id="4" name="文本占位符 3">
             <a:extLst>
               <a:ext uri="{FF2B5EF4-FFF2-40B4-BE49-F238E27FC236}">
-                <a16:creationId xmlns:a16="http://schemas.microsoft.com/office/drawing/2014/main" id="{BC0BB3E0-DBC1-4A95-64B8-09511A6E69C6}"/>
+                <a16:creationId xmlns:a16="http://schemas.microsoft.com/office/drawing/2014/main" id="{9DF8455D-F3E7-8101-AB3A-4799F5950FF7}"/>
               </a:ext>
             </a:extLst>
           </p:cNvPr>
@@ -2357,7 +2357,7 @@
           <p:cNvPr id="5" name="日期占位符 4">
             <a:extLst>
               <a:ext uri="{FF2B5EF4-FFF2-40B4-BE49-F238E27FC236}">
-                <a16:creationId xmlns:a16="http://schemas.microsoft.com/office/drawing/2014/main" id="{56206F2F-723B-1B17-5D10-9A5C9B971AB6}"/>
+                <a16:creationId xmlns:a16="http://schemas.microsoft.com/office/drawing/2014/main" id="{707D6FF9-8BC2-D227-5A56-660BDDE00394}"/>
               </a:ext>
             </a:extLst>
           </p:cNvPr>
@@ -2373,7 +2373,7 @@
           <a:bodyPr/>
           <a:lstStyle/>
           <a:p>
-            <a:fld id="{FA58F178-3FA5-4B3C-A5EE-5AD1D61A6356}" type="datetimeFigureOut">
+            <a:fld id="{7E084EB9-8CA6-4D2E-81EE-D35D40FF773E}" type="datetimeFigureOut">
               <a:rPr lang="zh-CN" altLang="en-US" smtClean="0"/>
               <a:t>2024/3/10</a:t>
             </a:fld>
@@ -2386,7 +2386,7 @@
           <p:cNvPr id="6" name="页脚占位符 5">
             <a:extLst>
               <a:ext uri="{FF2B5EF4-FFF2-40B4-BE49-F238E27FC236}">
-                <a16:creationId xmlns:a16="http://schemas.microsoft.com/office/drawing/2014/main" id="{0A4F315E-2BAC-DAAD-015C-2EFDD5FB0D6E}"/>
+                <a16:creationId xmlns:a16="http://schemas.microsoft.com/office/drawing/2014/main" id="{AB2390B5-2DD5-BE5C-ADCC-ACC13F9FB4B6}"/>
               </a:ext>
             </a:extLst>
           </p:cNvPr>
@@ -2411,7 +2411,7 @@
           <p:cNvPr id="7" name="灯片编号占位符 6">
             <a:extLst>
               <a:ext uri="{FF2B5EF4-FFF2-40B4-BE49-F238E27FC236}">
-                <a16:creationId xmlns:a16="http://schemas.microsoft.com/office/drawing/2014/main" id="{737FD491-DD8C-8721-C12E-343E0A23D3C5}"/>
+                <a16:creationId xmlns:a16="http://schemas.microsoft.com/office/drawing/2014/main" id="{046F1647-2E40-2DA5-D3EE-FBC11087143E}"/>
               </a:ext>
             </a:extLst>
           </p:cNvPr>
@@ -2427,7 +2427,7 @@
           <a:bodyPr/>
           <a:lstStyle/>
           <a:p>
-            <a:fld id="{9BC67186-CAF3-45B4-941B-6494647D02C9}" type="slidenum">
+            <a:fld id="{E9279CF1-C959-4BDE-9B00-DB8D0F0944FB}" type="slidenum">
               <a:rPr lang="zh-CN" altLang="en-US" smtClean="0"/>
               <a:t>‹#›</a:t>
             </a:fld>
@@ -2438,7 +2438,7 @@
     </p:spTree>
     <p:extLst>
       <p:ext uri="{BB962C8B-B14F-4D97-AF65-F5344CB8AC3E}">
-        <p14:creationId xmlns:p14="http://schemas.microsoft.com/office/powerpoint/2010/main" val="2276711905"/>
+        <p14:creationId xmlns:p14="http://schemas.microsoft.com/office/powerpoint/2010/main" val="3572977421"/>
       </p:ext>
     </p:extLst>
   </p:cSld>
@@ -2470,7 +2470,7 @@
           <p:cNvPr id="2" name="标题 1">
             <a:extLst>
               <a:ext uri="{FF2B5EF4-FFF2-40B4-BE49-F238E27FC236}">
-                <a16:creationId xmlns:a16="http://schemas.microsoft.com/office/drawing/2014/main" id="{9C8DEE6F-B5E0-6AF9-0517-35E3C988E932}"/>
+                <a16:creationId xmlns:a16="http://schemas.microsoft.com/office/drawing/2014/main" id="{60F8AFFB-0598-2307-FCB8-6D9712CAFB2D}"/>
               </a:ext>
             </a:extLst>
           </p:cNvPr>
@@ -2507,7 +2507,7 @@
           <p:cNvPr id="3" name="图片占位符 2">
             <a:extLst>
               <a:ext uri="{FF2B5EF4-FFF2-40B4-BE49-F238E27FC236}">
-                <a16:creationId xmlns:a16="http://schemas.microsoft.com/office/drawing/2014/main" id="{48661D98-CDD7-0DBB-EF4A-63F951408CA0}"/>
+                <a16:creationId xmlns:a16="http://schemas.microsoft.com/office/drawing/2014/main" id="{5489EE85-D237-8BDA-9806-1551910074DE}"/>
               </a:ext>
             </a:extLst>
           </p:cNvPr>
@@ -2574,7 +2574,7 @@
           <p:cNvPr id="4" name="文本占位符 3">
             <a:extLst>
               <a:ext uri="{FF2B5EF4-FFF2-40B4-BE49-F238E27FC236}">
-                <a16:creationId xmlns:a16="http://schemas.microsoft.com/office/drawing/2014/main" id="{5366277A-D164-7613-9FBE-71E8087807DC}"/>
+                <a16:creationId xmlns:a16="http://schemas.microsoft.com/office/drawing/2014/main" id="{4E814768-7D54-FAA0-05D5-A99DE95E3BF0}"/>
               </a:ext>
             </a:extLst>
           </p:cNvPr>
@@ -2645,7 +2645,7 @@
           <p:cNvPr id="5" name="日期占位符 4">
             <a:extLst>
               <a:ext uri="{FF2B5EF4-FFF2-40B4-BE49-F238E27FC236}">
-                <a16:creationId xmlns:a16="http://schemas.microsoft.com/office/drawing/2014/main" id="{CA8DB6B4-5F72-5198-CE67-875212EA9CFA}"/>
+                <a16:creationId xmlns:a16="http://schemas.microsoft.com/office/drawing/2014/main" id="{F15C1ED6-E238-2C2E-3605-881CA7321B28}"/>
               </a:ext>
             </a:extLst>
           </p:cNvPr>
@@ -2661,7 +2661,7 @@
           <a:bodyPr/>
           <a:lstStyle/>
           <a:p>
-            <a:fld id="{FA58F178-3FA5-4B3C-A5EE-5AD1D61A6356}" type="datetimeFigureOut">
+            <a:fld id="{7E084EB9-8CA6-4D2E-81EE-D35D40FF773E}" type="datetimeFigureOut">
               <a:rPr lang="zh-CN" altLang="en-US" smtClean="0"/>
               <a:t>2024/3/10</a:t>
             </a:fld>
@@ -2674,7 +2674,7 @@
           <p:cNvPr id="6" name="页脚占位符 5">
             <a:extLst>
               <a:ext uri="{FF2B5EF4-FFF2-40B4-BE49-F238E27FC236}">
-                <a16:creationId xmlns:a16="http://schemas.microsoft.com/office/drawing/2014/main" id="{B9B91BDB-6F98-8308-6FF3-EC92BC373C73}"/>
+                <a16:creationId xmlns:a16="http://schemas.microsoft.com/office/drawing/2014/main" id="{FECE67AD-BE97-94C5-DB5E-941DE24FFF89}"/>
               </a:ext>
             </a:extLst>
           </p:cNvPr>
@@ -2699,7 +2699,7 @@
           <p:cNvPr id="7" name="灯片编号占位符 6">
             <a:extLst>
               <a:ext uri="{FF2B5EF4-FFF2-40B4-BE49-F238E27FC236}">
-                <a16:creationId xmlns:a16="http://schemas.microsoft.com/office/drawing/2014/main" id="{899ACA89-2989-9126-64F3-439C8E75CD9A}"/>
+                <a16:creationId xmlns:a16="http://schemas.microsoft.com/office/drawing/2014/main" id="{4E48C75E-7316-865D-CA36-283741032919}"/>
               </a:ext>
             </a:extLst>
           </p:cNvPr>
@@ -2715,7 +2715,7 @@
           <a:bodyPr/>
           <a:lstStyle/>
           <a:p>
-            <a:fld id="{9BC67186-CAF3-45B4-941B-6494647D02C9}" type="slidenum">
+            <a:fld id="{E9279CF1-C959-4BDE-9B00-DB8D0F0944FB}" type="slidenum">
               <a:rPr lang="zh-CN" altLang="en-US" smtClean="0"/>
               <a:t>‹#›</a:t>
             </a:fld>
@@ -2726,7 +2726,7 @@
     </p:spTree>
     <p:extLst>
       <p:ext uri="{BB962C8B-B14F-4D97-AF65-F5344CB8AC3E}">
-        <p14:creationId xmlns:p14="http://schemas.microsoft.com/office/powerpoint/2010/main" val="1183795904"/>
+        <p14:creationId xmlns:p14="http://schemas.microsoft.com/office/powerpoint/2010/main" val="4103507009"/>
       </p:ext>
     </p:extLst>
   </p:cSld>
@@ -2763,7 +2763,7 @@
           <p:cNvPr id="2" name="标题占位符 1">
             <a:extLst>
               <a:ext uri="{FF2B5EF4-FFF2-40B4-BE49-F238E27FC236}">
-                <a16:creationId xmlns:a16="http://schemas.microsoft.com/office/drawing/2014/main" id="{0676A2B2-12F8-C062-A761-384F0B92B70D}"/>
+                <a16:creationId xmlns:a16="http://schemas.microsoft.com/office/drawing/2014/main" id="{7219901C-7B19-FEC4-CE30-C8E2EE27D3D1}"/>
               </a:ext>
             </a:extLst>
           </p:cNvPr>
@@ -2801,7 +2801,7 @@
           <p:cNvPr id="3" name="文本占位符 2">
             <a:extLst>
               <a:ext uri="{FF2B5EF4-FFF2-40B4-BE49-F238E27FC236}">
-                <a16:creationId xmlns:a16="http://schemas.microsoft.com/office/drawing/2014/main" id="{449D7E9B-014F-3164-4A4F-3322AC96275A}"/>
+                <a16:creationId xmlns:a16="http://schemas.microsoft.com/office/drawing/2014/main" id="{AD2214A8-41BE-6F9C-8888-8DF5E1DA9A5F}"/>
               </a:ext>
             </a:extLst>
           </p:cNvPr>
@@ -2868,7 +2868,7 @@
           <p:cNvPr id="4" name="日期占位符 3">
             <a:extLst>
               <a:ext uri="{FF2B5EF4-FFF2-40B4-BE49-F238E27FC236}">
-                <a16:creationId xmlns:a16="http://schemas.microsoft.com/office/drawing/2014/main" id="{6C8B6B6B-F9B6-BEE4-8E57-8296F0CEE3E4}"/>
+                <a16:creationId xmlns:a16="http://schemas.microsoft.com/office/drawing/2014/main" id="{595747A5-2A88-342D-FC67-49AF0C1F3845}"/>
               </a:ext>
             </a:extLst>
           </p:cNvPr>
@@ -2902,7 +2902,7 @@
             </a:lvl1pPr>
           </a:lstStyle>
           <a:p>
-            <a:fld id="{FA58F178-3FA5-4B3C-A5EE-5AD1D61A6356}" type="datetimeFigureOut">
+            <a:fld id="{7E084EB9-8CA6-4D2E-81EE-D35D40FF773E}" type="datetimeFigureOut">
               <a:rPr lang="zh-CN" altLang="en-US" smtClean="0"/>
               <a:t>2024/3/10</a:t>
             </a:fld>
@@ -2915,7 +2915,7 @@
           <p:cNvPr id="5" name="页脚占位符 4">
             <a:extLst>
               <a:ext uri="{FF2B5EF4-FFF2-40B4-BE49-F238E27FC236}">
-                <a16:creationId xmlns:a16="http://schemas.microsoft.com/office/drawing/2014/main" id="{8443A2B9-83C7-1E0F-805E-70183C8C597E}"/>
+                <a16:creationId xmlns:a16="http://schemas.microsoft.com/office/drawing/2014/main" id="{2B0F38B2-623C-304E-5D40-9ACC9DD694B1}"/>
               </a:ext>
             </a:extLst>
           </p:cNvPr>
@@ -2958,7 +2958,7 @@
           <p:cNvPr id="6" name="灯片编号占位符 5">
             <a:extLst>
               <a:ext uri="{FF2B5EF4-FFF2-40B4-BE49-F238E27FC236}">
-                <a16:creationId xmlns:a16="http://schemas.microsoft.com/office/drawing/2014/main" id="{6EE3DDE9-8627-CA00-F5B3-16F45C8F0673}"/>
+                <a16:creationId xmlns:a16="http://schemas.microsoft.com/office/drawing/2014/main" id="{918A1A74-B4C8-4D9E-AC42-7A5AA8DC2CC4}"/>
               </a:ext>
             </a:extLst>
           </p:cNvPr>
@@ -2992,7 +2992,7 @@
             </a:lvl1pPr>
           </a:lstStyle>
           <a:p>
-            <a:fld id="{9BC67186-CAF3-45B4-941B-6494647D02C9}" type="slidenum">
+            <a:fld id="{E9279CF1-C959-4BDE-9B00-DB8D0F0944FB}" type="slidenum">
               <a:rPr lang="zh-CN" altLang="en-US" smtClean="0"/>
               <a:t>‹#›</a:t>
             </a:fld>
@@ -3003,7 +3003,7 @@
     </p:spTree>
     <p:extLst>
       <p:ext uri="{BB962C8B-B14F-4D97-AF65-F5344CB8AC3E}">
-        <p14:creationId xmlns:p14="http://schemas.microsoft.com/office/powerpoint/2010/main" val="1222569054"/>
+        <p14:creationId xmlns:p14="http://schemas.microsoft.com/office/powerpoint/2010/main" val="3402748506"/>
       </p:ext>
     </p:extLst>
   </p:cSld>
